--- a/Web設計書_齋藤晃央_20170904.pptx
+++ b/Web設計書_齋藤晃央_20170904.pptx
@@ -230,7 +230,7 @@
             <a:fld id="{49DE4CA7-F97D-4B0D-93BC-54B5E1AB785D}" type="datetimeFigureOut">
               <a:rPr kumimoji="1" lang="ja-JP" altLang="en-US" smtClean="0"/>
               <a:pPr/>
-              <a:t>2017/9/4</a:t>
+              <a:t>2017/9/5</a:t>
             </a:fld>
             <a:endParaRPr kumimoji="1" lang="ja-JP" altLang="en-US"/>
           </a:p>
@@ -393,7 +393,7 @@
             <a:fld id="{55186F82-6734-4438-B717-C85EC488C016}" type="datetimeFigureOut">
               <a:rPr kumimoji="1" lang="ja-JP" altLang="en-US" smtClean="0"/>
               <a:pPr/>
-              <a:t>2017/9/4</a:t>
+              <a:t>2017/9/5</a:t>
             </a:fld>
             <a:endParaRPr kumimoji="1" lang="ja-JP" altLang="en-US"/>
           </a:p>
@@ -4973,7 +4973,7 @@
           <a:p>
             <a:r>
               <a:rPr kumimoji="1" lang="en-US" altLang="ja-JP" sz="1200" dirty="0"/>
-              <a:t>2017.9.04</a:t>
+              <a:t>2017.9.05</a:t>
             </a:r>
             <a:endParaRPr kumimoji="1" lang="ja-JP" altLang="en-US" sz="1200" dirty="0"/>
           </a:p>
@@ -5009,7 +5009,7 @@
           <a:p>
             <a:r>
               <a:rPr kumimoji="1" lang="en-US" altLang="ja-JP" sz="1200" dirty="0"/>
-              <a:t>1.0</a:t>
+              <a:t>1.1</a:t>
             </a:r>
             <a:endParaRPr kumimoji="1" lang="ja-JP" altLang="en-US" sz="1200" dirty="0"/>
           </a:p>
@@ -5539,7 +5539,7 @@
         <p:spPr>
           <a:xfrm>
             <a:off x="632519" y="5586182"/>
-            <a:ext cx="1821332" cy="754053"/>
+            <a:ext cx="3420808" cy="1082348"/>
           </a:xfrm>
           <a:prstGeom prst="rect">
             <a:avLst/>
@@ -5599,11 +5599,67 @@
               <a:t>・</a:t>
             </a:r>
             <a:r>
+              <a:rPr lang="en-US" altLang="ja-JP" dirty="0">
+                <a:latin typeface="Meiryo UI" pitchFamily="50" charset="-128"/>
+                <a:ea typeface="Meiryo UI" pitchFamily="50" charset="-128"/>
+              </a:rPr>
+              <a:t>Web</a:t>
+            </a:r>
+            <a:r>
+              <a:rPr lang="ja-JP" altLang="en-US" dirty="0">
+                <a:latin typeface="Meiryo UI" pitchFamily="50" charset="-128"/>
+                <a:ea typeface="Meiryo UI" pitchFamily="50" charset="-128"/>
+              </a:rPr>
+              <a:t>画面</a:t>
+            </a:r>
+            <a:r>
+              <a:rPr lang="en-US" altLang="ja-JP" dirty="0">
+                <a:latin typeface="Meiryo UI" pitchFamily="50" charset="-128"/>
+                <a:ea typeface="Meiryo UI" pitchFamily="50" charset="-128"/>
+              </a:rPr>
+              <a:t>:</a:t>
+            </a:r>
+            <a:r>
               <a:rPr lang="en-US" altLang="ja-JP" dirty="0" err="1">
                 <a:latin typeface="Meiryo UI" pitchFamily="50" charset="-128"/>
                 <a:ea typeface="Meiryo UI" pitchFamily="50" charset="-128"/>
               </a:rPr>
               <a:t>firefox</a:t>
+            </a:r>
+            <a:endParaRPr lang="en-US" altLang="ja-JP" dirty="0">
+              <a:latin typeface="Meiryo UI" pitchFamily="50" charset="-128"/>
+              <a:ea typeface="Meiryo UI" pitchFamily="50" charset="-128"/>
+            </a:endParaRPr>
+          </a:p>
+          <a:p>
+            <a:pPr lvl="1" indent="360000">
+              <a:spcBef>
+                <a:spcPts val="200"/>
+              </a:spcBef>
+              <a:spcAft>
+                <a:spcPts val="200"/>
+              </a:spcAft>
+            </a:pPr>
+            <a:r>
+              <a:rPr lang="ja-JP" altLang="en-US" dirty="0">
+                <a:latin typeface="Meiryo UI" pitchFamily="50" charset="-128"/>
+                <a:ea typeface="Meiryo UI" pitchFamily="50" charset="-128"/>
+              </a:rPr>
+              <a:t>・クローリング</a:t>
+            </a:r>
+            <a:r>
+              <a:rPr lang="en-US" altLang="ja-JP" dirty="0">
+                <a:latin typeface="Meiryo UI" pitchFamily="50" charset="-128"/>
+                <a:ea typeface="Meiryo UI" pitchFamily="50" charset="-128"/>
+              </a:rPr>
+              <a:t>:</a:t>
+            </a:r>
+            <a:r>
+              <a:rPr lang="en-US" altLang="ja-JP" dirty="0" err="1">
+                <a:latin typeface="Meiryo UI" pitchFamily="50" charset="-128"/>
+                <a:ea typeface="Meiryo UI" pitchFamily="50" charset="-128"/>
+              </a:rPr>
+              <a:t>Phantomjs</a:t>
             </a:r>
             <a:endParaRPr lang="en-US" altLang="ja-JP" dirty="0">
               <a:latin typeface="Meiryo UI" pitchFamily="50" charset="-128"/>
